--- a/Chap/Prog01/Presentations/ArithmeticConversion.pptx
+++ b/Chap/Prog01/Presentations/ArithmeticConversion.pptx
@@ -248,7 +248,7 @@
           <a:p>
             <a:fld id="{E15B7D8E-2A20-4C0E-991C-872DBB7459A8}" type="datetimeFigureOut">
               <a:rPr lang="da-DK" smtClean="0"/>
-              <a:t>11-08-2022</a:t>
+              <a:t>24-08-2024</a:t>
             </a:fld>
             <a:endParaRPr lang="da-DK"/>
           </a:p>
@@ -416,7 +416,7 @@
           <a:p>
             <a:fld id="{E15B7D8E-2A20-4C0E-991C-872DBB7459A8}" type="datetimeFigureOut">
               <a:rPr lang="da-DK" smtClean="0"/>
-              <a:t>11-08-2022</a:t>
+              <a:t>24-08-2024</a:t>
             </a:fld>
             <a:endParaRPr lang="da-DK"/>
           </a:p>
@@ -594,7 +594,7 @@
           <a:p>
             <a:fld id="{E15B7D8E-2A20-4C0E-991C-872DBB7459A8}" type="datetimeFigureOut">
               <a:rPr lang="da-DK" smtClean="0"/>
-              <a:t>11-08-2022</a:t>
+              <a:t>24-08-2024</a:t>
             </a:fld>
             <a:endParaRPr lang="da-DK"/>
           </a:p>
@@ -762,7 +762,7 @@
           <a:p>
             <a:fld id="{E15B7D8E-2A20-4C0E-991C-872DBB7459A8}" type="datetimeFigureOut">
               <a:rPr lang="da-DK" smtClean="0"/>
-              <a:t>11-08-2022</a:t>
+              <a:t>24-08-2024</a:t>
             </a:fld>
             <a:endParaRPr lang="da-DK"/>
           </a:p>
@@ -1007,7 +1007,7 @@
           <a:p>
             <a:fld id="{E15B7D8E-2A20-4C0E-991C-872DBB7459A8}" type="datetimeFigureOut">
               <a:rPr lang="da-DK" smtClean="0"/>
-              <a:t>11-08-2022</a:t>
+              <a:t>24-08-2024</a:t>
             </a:fld>
             <a:endParaRPr lang="da-DK"/>
           </a:p>
@@ -1236,7 +1236,7 @@
           <a:p>
             <a:fld id="{E15B7D8E-2A20-4C0E-991C-872DBB7459A8}" type="datetimeFigureOut">
               <a:rPr lang="da-DK" smtClean="0"/>
-              <a:t>11-08-2022</a:t>
+              <a:t>24-08-2024</a:t>
             </a:fld>
             <a:endParaRPr lang="da-DK"/>
           </a:p>
@@ -1600,7 +1600,7 @@
           <a:p>
             <a:fld id="{E15B7D8E-2A20-4C0E-991C-872DBB7459A8}" type="datetimeFigureOut">
               <a:rPr lang="da-DK" smtClean="0"/>
-              <a:t>11-08-2022</a:t>
+              <a:t>24-08-2024</a:t>
             </a:fld>
             <a:endParaRPr lang="da-DK"/>
           </a:p>
@@ -1717,7 +1717,7 @@
           <a:p>
             <a:fld id="{E15B7D8E-2A20-4C0E-991C-872DBB7459A8}" type="datetimeFigureOut">
               <a:rPr lang="da-DK" smtClean="0"/>
-              <a:t>11-08-2022</a:t>
+              <a:t>24-08-2024</a:t>
             </a:fld>
             <a:endParaRPr lang="da-DK"/>
           </a:p>
@@ -1812,7 +1812,7 @@
           <a:p>
             <a:fld id="{E15B7D8E-2A20-4C0E-991C-872DBB7459A8}" type="datetimeFigureOut">
               <a:rPr lang="da-DK" smtClean="0"/>
-              <a:t>11-08-2022</a:t>
+              <a:t>24-08-2024</a:t>
             </a:fld>
             <a:endParaRPr lang="da-DK"/>
           </a:p>
@@ -2087,7 +2087,7 @@
           <a:p>
             <a:fld id="{E15B7D8E-2A20-4C0E-991C-872DBB7459A8}" type="datetimeFigureOut">
               <a:rPr lang="da-DK" smtClean="0"/>
-              <a:t>11-08-2022</a:t>
+              <a:t>24-08-2024</a:t>
             </a:fld>
             <a:endParaRPr lang="da-DK"/>
           </a:p>
@@ -2339,7 +2339,7 @@
           <a:p>
             <a:fld id="{E15B7D8E-2A20-4C0E-991C-872DBB7459A8}" type="datetimeFigureOut">
               <a:rPr lang="da-DK" smtClean="0"/>
-              <a:t>11-08-2022</a:t>
+              <a:t>24-08-2024</a:t>
             </a:fld>
             <a:endParaRPr lang="da-DK"/>
           </a:p>
@@ -2550,7 +2550,7 @@
           <a:p>
             <a:fld id="{E15B7D8E-2A20-4C0E-991C-872DBB7459A8}" type="datetimeFigureOut">
               <a:rPr lang="da-DK" smtClean="0"/>
-              <a:t>11-08-2022</a:t>
+              <a:t>24-08-2024</a:t>
             </a:fld>
             <a:endParaRPr lang="da-DK"/>
           </a:p>
@@ -3178,6 +3178,18 @@
   <p:clrMapOvr>
     <a:masterClrMapping/>
   </p:clrMapOvr>
+  <mc:AlternateContent xmlns:mc="http://schemas.openxmlformats.org/markup-compatibility/2006">
+    <mc:Choice xmlns:p14="http://schemas.microsoft.com/office/powerpoint/2010/main" Requires="p14">
+      <p:transition spd="med" p14:dur="700">
+        <p:fade/>
+      </p:transition>
+    </mc:Choice>
+    <mc:Fallback>
+      <p:transition spd="med">
+        <p:fade/>
+      </p:transition>
+    </mc:Fallback>
+  </mc:AlternateContent>
 </p:sld>
 </file>
 
@@ -3320,6 +3332,18 @@
   <p:clrMapOvr>
     <a:masterClrMapping/>
   </p:clrMapOvr>
+  <mc:AlternateContent xmlns:mc="http://schemas.openxmlformats.org/markup-compatibility/2006">
+    <mc:Choice xmlns:p14="http://schemas.microsoft.com/office/powerpoint/2010/main" Requires="p14">
+      <p:transition spd="med" p14:dur="700">
+        <p:fade/>
+      </p:transition>
+    </mc:Choice>
+    <mc:Fallback>
+      <p:transition spd="med">
+        <p:fade/>
+      </p:transition>
+    </mc:Fallback>
+  </mc:AlternateContent>
 </p:sld>
 </file>
 
@@ -3464,6 +3488,18 @@
   <p:clrMapOvr>
     <a:masterClrMapping/>
   </p:clrMapOvr>
+  <mc:AlternateContent xmlns:mc="http://schemas.openxmlformats.org/markup-compatibility/2006">
+    <mc:Choice xmlns:p14="http://schemas.microsoft.com/office/powerpoint/2010/main" Requires="p14">
+      <p:transition spd="med" p14:dur="700">
+        <p:fade/>
+      </p:transition>
+    </mc:Choice>
+    <mc:Fallback>
+      <p:transition spd="med">
+        <p:fade/>
+      </p:transition>
+    </mc:Fallback>
+  </mc:AlternateContent>
 </p:sld>
 </file>
 
@@ -3608,6 +3644,18 @@
   <p:clrMapOvr>
     <a:masterClrMapping/>
   </p:clrMapOvr>
+  <mc:AlternateContent xmlns:mc="http://schemas.openxmlformats.org/markup-compatibility/2006">
+    <mc:Choice xmlns:p14="http://schemas.microsoft.com/office/powerpoint/2010/main" Requires="p14">
+      <p:transition spd="med" p14:dur="700">
+        <p:fade/>
+      </p:transition>
+    </mc:Choice>
+    <mc:Fallback>
+      <p:transition spd="med">
+        <p:fade/>
+      </p:transition>
+    </mc:Fallback>
+  </mc:AlternateContent>
 </p:sld>
 </file>
 
@@ -3752,6 +3800,18 @@
   <p:clrMapOvr>
     <a:masterClrMapping/>
   </p:clrMapOvr>
+  <mc:AlternateContent xmlns:mc="http://schemas.openxmlformats.org/markup-compatibility/2006">
+    <mc:Choice xmlns:p14="http://schemas.microsoft.com/office/powerpoint/2010/main" Requires="p14">
+      <p:transition spd="med" p14:dur="700">
+        <p:fade/>
+      </p:transition>
+    </mc:Choice>
+    <mc:Fallback>
+      <p:transition spd="med">
+        <p:fade/>
+      </p:transition>
+    </mc:Fallback>
+  </mc:AlternateContent>
 </p:sld>
 </file>
 
@@ -3899,6 +3959,18 @@
   <p:clrMapOvr>
     <a:masterClrMapping/>
   </p:clrMapOvr>
+  <mc:AlternateContent xmlns:mc="http://schemas.openxmlformats.org/markup-compatibility/2006">
+    <mc:Choice xmlns:p14="http://schemas.microsoft.com/office/powerpoint/2010/main" Requires="p14">
+      <p:transition spd="med" p14:dur="700">
+        <p:fade/>
+      </p:transition>
+    </mc:Choice>
+    <mc:Fallback>
+      <p:transition spd="med">
+        <p:fade/>
+      </p:transition>
+    </mc:Fallback>
+  </mc:AlternateContent>
 </p:sld>
 </file>
 
@@ -4049,6 +4121,18 @@
   <p:clrMapOvr>
     <a:masterClrMapping/>
   </p:clrMapOvr>
+  <mc:AlternateContent xmlns:mc="http://schemas.openxmlformats.org/markup-compatibility/2006">
+    <mc:Choice xmlns:p14="http://schemas.microsoft.com/office/powerpoint/2010/main" Requires="p14">
+      <p:transition spd="med" p14:dur="700">
+        <p:fade/>
+      </p:transition>
+    </mc:Choice>
+    <mc:Fallback>
+      <p:transition spd="med">
+        <p:fade/>
+      </p:transition>
+    </mc:Fallback>
+  </mc:AlternateContent>
 </p:sld>
 </file>
 
